--- a/Project_CO2_vs_LifeExpectancy_Zheng_Qi.pptx
+++ b/Project_CO2_vs_LifeExpectancy_Zheng_Qi.pptx
@@ -3346,7 +3346,7 @@
         <p14:prism/>
       </p:transition>
     </mc:Choice>
-    <mc:Fallback xmlns:ahyp="http://schemas.microsoft.com/office/drawing/2018/hyperlinkcolor" xmlns:p15="http://schemas.microsoft.com/office/powerpoint/2012/main" xmlns:com="http://schemas.openxmlformats.org/drawingml/2006/compatibility" xmlns:pvml="urn:schemas-microsoft-com:office:powerpoint" xmlns:v="urn:schemas-microsoft-com:vml" xmlns:o="urn:schemas-microsoft-com:office:office" xmlns:dgm="http://schemas.openxmlformats.org/drawingml/2006/diagram" xmlns:c="http://schemas.openxmlformats.org/drawingml/2006/chart" xmlns:mv="urn:schemas-microsoft-com:mac:vml" xmlns="">
+    <mc:Fallback xmlns="" xmlns:mv="urn:schemas-microsoft-com:mac:vml" xmlns:c="http://schemas.openxmlformats.org/drawingml/2006/chart" xmlns:dgm="http://schemas.openxmlformats.org/drawingml/2006/diagram" xmlns:o="urn:schemas-microsoft-com:office:office" xmlns:v="urn:schemas-microsoft-com:vml" xmlns:pvml="urn:schemas-microsoft-com:office:powerpoint" xmlns:com="http://schemas.openxmlformats.org/drawingml/2006/compatibility" xmlns:p15="http://schemas.microsoft.com/office/powerpoint/2012/main" xmlns:ahyp="http://schemas.microsoft.com/office/drawing/2018/hyperlinkcolor">
       <p:transition spd="slow">
         <p:fade/>
       </p:transition>
@@ -4517,28 +4517,29 @@
               <a:shade val="85000"/>
             </a:srgbClr>
           </a:solidFill>
-          <a:ln w="190500" cap="rnd">
+          <a:ln w="88900" cap="sq">
             <a:solidFill>
               <a:srgbClr val="FFFFFF"/>
             </a:solidFill>
+            <a:miter lim="800000"/>
           </a:ln>
           <a:effectLst>
-            <a:outerShdw blurRad="50000" algn="tl" rotWithShape="0">
+            <a:outerShdw blurRad="55000" dist="18000" dir="5400000" algn="tl" rotWithShape="0">
               <a:srgbClr val="000000">
-                <a:alpha val="41000"/>
+                <a:alpha val="40000"/>
               </a:srgbClr>
             </a:outerShdw>
           </a:effectLst>
           <a:scene3d>
             <a:camera prst="orthographicFront"/>
             <a:lightRig rig="twoPt" dir="t">
-              <a:rot lat="0" lon="0" rev="7800000"/>
+              <a:rot lat="0" lon="0" rev="7200000"/>
             </a:lightRig>
           </a:scene3d>
-          <a:sp3d contourW="6350">
-            <a:bevelT w="50800" h="16510"/>
+          <a:sp3d>
+            <a:bevelT w="25400" h="19050"/>
             <a:contourClr>
-              <a:srgbClr val="C0C0C0"/>
+              <a:srgbClr val="FFFFFF"/>
             </a:contourClr>
           </a:sp3d>
         </p:spPr>
@@ -4565,7 +4566,7 @@
         </p:blipFill>
         <p:spPr>
           <a:xfrm>
-            <a:off x="569285" y="1311750"/>
+            <a:off x="569285" y="1295747"/>
             <a:ext cx="3780000" cy="2520000"/>
           </a:xfrm>
           <a:prstGeom prst="rect">
@@ -4576,28 +4577,29 @@
               <a:shade val="85000"/>
             </a:srgbClr>
           </a:solidFill>
-          <a:ln w="190500" cap="rnd">
+          <a:ln w="88900" cap="sq">
             <a:solidFill>
               <a:srgbClr val="FFFFFF"/>
             </a:solidFill>
+            <a:miter lim="800000"/>
           </a:ln>
           <a:effectLst>
-            <a:outerShdw blurRad="50000" algn="tl" rotWithShape="0">
+            <a:outerShdw blurRad="55000" dist="18000" dir="5400000" algn="tl" rotWithShape="0">
               <a:srgbClr val="000000">
-                <a:alpha val="41000"/>
+                <a:alpha val="40000"/>
               </a:srgbClr>
             </a:outerShdw>
           </a:effectLst>
           <a:scene3d>
             <a:camera prst="orthographicFront"/>
             <a:lightRig rig="twoPt" dir="t">
-              <a:rot lat="0" lon="0" rev="7800000"/>
+              <a:rot lat="0" lon="0" rev="7200000"/>
             </a:lightRig>
           </a:scene3d>
-          <a:sp3d contourW="6350">
-            <a:bevelT w="50800" h="16510"/>
+          <a:sp3d>
+            <a:bevelT w="25400" h="19050"/>
             <a:contourClr>
-              <a:srgbClr val="C0C0C0"/>
+              <a:srgbClr val="FFFFFF"/>
             </a:contourClr>
           </a:sp3d>
         </p:spPr>
@@ -4635,28 +4637,29 @@
               <a:shade val="85000"/>
             </a:srgbClr>
           </a:solidFill>
-          <a:ln w="190500" cap="rnd">
+          <a:ln w="88900" cap="sq">
             <a:solidFill>
               <a:srgbClr val="FFFFFF"/>
             </a:solidFill>
+            <a:miter lim="800000"/>
           </a:ln>
           <a:effectLst>
-            <a:outerShdw blurRad="50000" algn="tl" rotWithShape="0">
+            <a:outerShdw blurRad="55000" dist="18000" dir="5400000" algn="tl" rotWithShape="0">
               <a:srgbClr val="000000">
-                <a:alpha val="41000"/>
+                <a:alpha val="40000"/>
               </a:srgbClr>
             </a:outerShdw>
           </a:effectLst>
           <a:scene3d>
             <a:camera prst="orthographicFront"/>
             <a:lightRig rig="twoPt" dir="t">
-              <a:rot lat="0" lon="0" rev="7800000"/>
+              <a:rot lat="0" lon="0" rev="7200000"/>
             </a:lightRig>
           </a:scene3d>
-          <a:sp3d contourW="6350">
-            <a:bevelT w="50800" h="16510"/>
+          <a:sp3d>
+            <a:bevelT w="25400" h="19050"/>
             <a:contourClr>
-              <a:srgbClr val="C0C0C0"/>
+              <a:srgbClr val="FFFFFF"/>
             </a:contourClr>
           </a:sp3d>
         </p:spPr>
@@ -5139,28 +5142,29 @@
               <a:shade val="85000"/>
             </a:srgbClr>
           </a:solidFill>
-          <a:ln w="190500" cap="rnd">
+          <a:ln w="88900" cap="sq">
             <a:solidFill>
               <a:srgbClr val="FFFFFF"/>
             </a:solidFill>
+            <a:miter lim="800000"/>
           </a:ln>
           <a:effectLst>
-            <a:outerShdw blurRad="50000" algn="tl" rotWithShape="0">
+            <a:outerShdw blurRad="55000" dist="18000" dir="5400000" algn="tl" rotWithShape="0">
               <a:srgbClr val="000000">
-                <a:alpha val="41000"/>
+                <a:alpha val="40000"/>
               </a:srgbClr>
             </a:outerShdw>
           </a:effectLst>
           <a:scene3d>
             <a:camera prst="orthographicFront"/>
             <a:lightRig rig="twoPt" dir="t">
-              <a:rot lat="0" lon="0" rev="7800000"/>
+              <a:rot lat="0" lon="0" rev="7200000"/>
             </a:lightRig>
           </a:scene3d>
-          <a:sp3d contourW="6350">
-            <a:bevelT w="50800" h="16510"/>
+          <a:sp3d>
+            <a:bevelT w="25400" h="19050"/>
             <a:contourClr>
-              <a:srgbClr val="C0C0C0"/>
+              <a:srgbClr val="FFFFFF"/>
             </a:contourClr>
           </a:sp3d>
         </p:spPr>
@@ -5198,28 +5202,29 @@
               <a:shade val="85000"/>
             </a:srgbClr>
           </a:solidFill>
-          <a:ln w="190500" cap="rnd">
+          <a:ln w="88900" cap="sq">
             <a:solidFill>
               <a:srgbClr val="FFFFFF"/>
             </a:solidFill>
+            <a:miter lim="800000"/>
           </a:ln>
           <a:effectLst>
-            <a:outerShdw blurRad="50000" algn="tl" rotWithShape="0">
+            <a:outerShdw blurRad="55000" dist="18000" dir="5400000" algn="tl" rotWithShape="0">
               <a:srgbClr val="000000">
-                <a:alpha val="41000"/>
+                <a:alpha val="40000"/>
               </a:srgbClr>
             </a:outerShdw>
           </a:effectLst>
           <a:scene3d>
             <a:camera prst="orthographicFront"/>
             <a:lightRig rig="twoPt" dir="t">
-              <a:rot lat="0" lon="0" rev="7800000"/>
+              <a:rot lat="0" lon="0" rev="7200000"/>
             </a:lightRig>
           </a:scene3d>
-          <a:sp3d contourW="6350">
-            <a:bevelT w="50800" h="16510"/>
+          <a:sp3d>
+            <a:bevelT w="25400" h="19050"/>
             <a:contourClr>
-              <a:srgbClr val="C0C0C0"/>
+              <a:srgbClr val="FFFFFF"/>
             </a:contourClr>
           </a:sp3d>
         </p:spPr>
